--- a/capstone2/Presentation_Patient survival.pptx
+++ b/capstone2/Presentation_Patient survival.pptx
@@ -15,9 +15,10 @@
     <p:sldId id="264" r:id="rId9"/>
     <p:sldId id="265" r:id="rId10"/>
     <p:sldId id="266" r:id="rId11"/>
-    <p:sldId id="267" r:id="rId12"/>
-    <p:sldId id="268" r:id="rId13"/>
-    <p:sldId id="269" r:id="rId14"/>
+    <p:sldId id="270" r:id="rId12"/>
+    <p:sldId id="267" r:id="rId13"/>
+    <p:sldId id="268" r:id="rId14"/>
+    <p:sldId id="269" r:id="rId15"/>
   </p:sldIdLst>
   <p:sldSz cx="12192000" cy="6858000"/>
   <p:notesSz cx="6858000" cy="9144000"/>
@@ -929,7 +930,7 @@
           <a:p>
             <a:fld id="{7CF0BCE0-945C-4FDF-95A1-2149B1FF5B83}" type="datetimeFigureOut">
               <a:rPr lang="en-US" smtClean="0"/>
-              <a:t>11/27/23</a:t>
+              <a:t>12/7/23</a:t>
             </a:fld>
             <a:endParaRPr lang="en-US"/>
           </a:p>
@@ -1656,7 +1657,7 @@
           <a:p>
             <a:fld id="{7CF0BCE0-945C-4FDF-95A1-2149B1FF5B83}" type="datetimeFigureOut">
               <a:rPr lang="en-US" smtClean="0"/>
-              <a:t>11/27/23</a:t>
+              <a:t>12/7/23</a:t>
             </a:fld>
             <a:endParaRPr lang="en-US"/>
           </a:p>
@@ -2529,7 +2530,7 @@
           <a:p>
             <a:fld id="{7CF0BCE0-945C-4FDF-95A1-2149B1FF5B83}" type="datetimeFigureOut">
               <a:rPr lang="en-US" smtClean="0"/>
-              <a:t>11/27/23</a:t>
+              <a:t>12/7/23</a:t>
             </a:fld>
             <a:endParaRPr lang="en-US"/>
           </a:p>
@@ -3233,7 +3234,7 @@
           <a:p>
             <a:fld id="{7CF0BCE0-945C-4FDF-95A1-2149B1FF5B83}" type="datetimeFigureOut">
               <a:rPr lang="en-US" smtClean="0"/>
-              <a:t>11/27/23</a:t>
+              <a:t>12/7/23</a:t>
             </a:fld>
             <a:endParaRPr lang="en-US"/>
           </a:p>
@@ -3943,7 +3944,7 @@
           <a:p>
             <a:fld id="{7CF0BCE0-945C-4FDF-95A1-2149B1FF5B83}" type="datetimeFigureOut">
               <a:rPr lang="en-US" smtClean="0"/>
-              <a:t>11/27/23</a:t>
+              <a:t>12/7/23</a:t>
             </a:fld>
             <a:endParaRPr lang="en-US" dirty="0"/>
           </a:p>
@@ -4880,7 +4881,7 @@
           <a:p>
             <a:fld id="{7CF0BCE0-945C-4FDF-95A1-2149B1FF5B83}" type="datetimeFigureOut">
               <a:rPr lang="en-US" smtClean="0"/>
-              <a:t>11/27/23</a:t>
+              <a:t>12/7/23</a:t>
             </a:fld>
             <a:endParaRPr lang="en-US"/>
           </a:p>
@@ -6100,7 +6101,7 @@
           <a:p>
             <a:fld id="{7CF0BCE0-945C-4FDF-95A1-2149B1FF5B83}" type="datetimeFigureOut">
               <a:rPr lang="en-US" smtClean="0"/>
-              <a:t>11/27/23</a:t>
+              <a:t>12/7/23</a:t>
             </a:fld>
             <a:endParaRPr lang="en-US"/>
           </a:p>
@@ -6766,7 +6767,7 @@
           <a:p>
             <a:fld id="{7CF0BCE0-945C-4FDF-95A1-2149B1FF5B83}" type="datetimeFigureOut">
               <a:rPr lang="en-US" smtClean="0"/>
-              <a:t>11/27/23</a:t>
+              <a:t>12/7/23</a:t>
             </a:fld>
             <a:endParaRPr lang="en-US"/>
           </a:p>
@@ -7535,7 +7536,7 @@
           <a:p>
             <a:fld id="{7CF0BCE0-945C-4FDF-95A1-2149B1FF5B83}" type="datetimeFigureOut">
               <a:rPr lang="en-US" smtClean="0"/>
-              <a:t>11/27/23</a:t>
+              <a:t>12/7/23</a:t>
             </a:fld>
             <a:endParaRPr lang="en-US"/>
           </a:p>
@@ -8647,7 +8648,7 @@
           <a:p>
             <a:fld id="{7CF0BCE0-945C-4FDF-95A1-2149B1FF5B83}" type="datetimeFigureOut">
               <a:rPr lang="en-US" smtClean="0"/>
-              <a:t>11/27/23</a:t>
+              <a:t>12/7/23</a:t>
             </a:fld>
             <a:endParaRPr lang="en-US"/>
           </a:p>
@@ -9455,7 +9456,7 @@
           <a:p>
             <a:fld id="{7CF0BCE0-945C-4FDF-95A1-2149B1FF5B83}" type="datetimeFigureOut">
               <a:rPr lang="en-US" smtClean="0"/>
-              <a:t>11/27/23</a:t>
+              <a:t>12/7/23</a:t>
             </a:fld>
             <a:endParaRPr lang="en-US"/>
           </a:p>
@@ -9739,7 +9740,7 @@
             <a:fld id="{7CF0BCE0-945C-4FDF-95A1-2149B1FF5B83}" type="datetimeFigureOut">
               <a:rPr lang="en-US" smtClean="0"/>
               <a:pPr algn="r"/>
-              <a:t>11/27/23</a:t>
+              <a:t>12/7/23</a:t>
             </a:fld>
             <a:endParaRPr lang="en-US" dirty="0"/>
           </a:p>
@@ -11832,6 +11833,387 @@
           <p:cNvPr id="2" name="Title 1">
             <a:extLst>
               <a:ext uri="{FF2B5EF4-FFF2-40B4-BE49-F238E27FC236}">
+                <a16:creationId xmlns:a16="http://schemas.microsoft.com/office/drawing/2014/main" id="{5C3624AE-9B03-CC42-8DD8-B7111D756E15}"/>
+              </a:ext>
+            </a:extLst>
+          </p:cNvPr>
+          <p:cNvSpPr>
+            <a:spLocks noGrp="1"/>
+          </p:cNvSpPr>
+          <p:nvPr>
+            <p:ph type="title"/>
+          </p:nvPr>
+        </p:nvSpPr>
+        <p:spPr>
+          <a:xfrm>
+            <a:off x="357120" y="286784"/>
+            <a:ext cx="9363984" cy="1293189"/>
+          </a:xfrm>
+        </p:spPr>
+        <p:txBody>
+          <a:bodyPr/>
+          <a:lstStyle/>
+          <a:p>
+            <a:r>
+              <a:rPr lang="en-US" altLang="zh-CN" dirty="0"/>
+              <a:t>MODEL</a:t>
+            </a:r>
+            <a:r>
+              <a:rPr lang="zh-CN" altLang="en-US" dirty="0"/>
+              <a:t> </a:t>
+            </a:r>
+            <a:r>
+              <a:rPr lang="en-US" altLang="zh-CN" dirty="0"/>
+              <a:t>EVALUATION</a:t>
+            </a:r>
+            <a:endParaRPr lang="en-US" dirty="0"/>
+          </a:p>
+        </p:txBody>
+      </p:sp>
+      <p:pic>
+        <p:nvPicPr>
+          <p:cNvPr id="1026" name="Picture 2">
+            <a:extLst>
+              <a:ext uri="{FF2B5EF4-FFF2-40B4-BE49-F238E27FC236}">
+                <a16:creationId xmlns:a16="http://schemas.microsoft.com/office/drawing/2014/main" id="{39E70A80-6137-3E40-81DA-FC6D4DC6B271}"/>
+              </a:ext>
+            </a:extLst>
+          </p:cNvPr>
+          <p:cNvPicPr>
+            <a:picLocks noChangeAspect="1" noChangeArrowheads="1"/>
+          </p:cNvPicPr>
+          <p:nvPr/>
+        </p:nvPicPr>
+        <p:blipFill>
+          <a:blip r:embed="rId2">
+            <a:extLst>
+              <a:ext uri="{28A0092B-C50C-407E-A947-70E740481C1C}">
+                <a14:useLocalDpi xmlns:a14="http://schemas.microsoft.com/office/drawing/2010/main" val="0"/>
+              </a:ext>
+            </a:extLst>
+          </a:blip>
+          <a:srcRect/>
+          <a:stretch>
+            <a:fillRect/>
+          </a:stretch>
+        </p:blipFill>
+        <p:spPr bwMode="auto">
+          <a:xfrm>
+            <a:off x="182286" y="1369730"/>
+            <a:ext cx="7054516" cy="5201486"/>
+          </a:xfrm>
+          <a:prstGeom prst="rect">
+            <a:avLst/>
+          </a:prstGeom>
+          <a:noFill/>
+          <a:extLst>
+            <a:ext uri="{909E8E84-426E-40DD-AFC4-6F175D3DCCD1}">
+              <a14:hiddenFill xmlns:a14="http://schemas.microsoft.com/office/drawing/2010/main">
+                <a:solidFill>
+                  <a:srgbClr val="FFFFFF"/>
+                </a:solidFill>
+              </a14:hiddenFill>
+            </a:ext>
+          </a:extLst>
+        </p:spPr>
+      </p:pic>
+      <p:pic>
+        <p:nvPicPr>
+          <p:cNvPr id="1028" name="Picture 4">
+            <a:extLst>
+              <a:ext uri="{FF2B5EF4-FFF2-40B4-BE49-F238E27FC236}">
+                <a16:creationId xmlns:a16="http://schemas.microsoft.com/office/drawing/2014/main" id="{9934A0BB-100C-C74B-A791-E5298B1BB70B}"/>
+              </a:ext>
+            </a:extLst>
+          </p:cNvPr>
+          <p:cNvPicPr>
+            <a:picLocks noChangeAspect="1" noChangeArrowheads="1"/>
+          </p:cNvPicPr>
+          <p:nvPr/>
+        </p:nvPicPr>
+        <p:blipFill>
+          <a:blip r:embed="rId3">
+            <a:extLst>
+              <a:ext uri="{28A0092B-C50C-407E-A947-70E740481C1C}">
+                <a14:useLocalDpi xmlns:a14="http://schemas.microsoft.com/office/drawing/2010/main" val="0"/>
+              </a:ext>
+            </a:extLst>
+          </a:blip>
+          <a:srcRect/>
+          <a:stretch>
+            <a:fillRect/>
+          </a:stretch>
+        </p:blipFill>
+        <p:spPr bwMode="auto">
+          <a:xfrm>
+            <a:off x="7377010" y="1369730"/>
+            <a:ext cx="4457870" cy="3380486"/>
+          </a:xfrm>
+          <a:prstGeom prst="rect">
+            <a:avLst/>
+          </a:prstGeom>
+          <a:noFill/>
+          <a:extLst>
+            <a:ext uri="{909E8E84-426E-40DD-AFC4-6F175D3DCCD1}">
+              <a14:hiddenFill xmlns:a14="http://schemas.microsoft.com/office/drawing/2010/main">
+                <a:solidFill>
+                  <a:srgbClr val="FFFFFF"/>
+                </a:solidFill>
+              </a14:hiddenFill>
+            </a:ext>
+          </a:extLst>
+        </p:spPr>
+      </p:pic>
+      <p:graphicFrame>
+        <p:nvGraphicFramePr>
+          <p:cNvPr id="6" name="Table 5">
+            <a:extLst>
+              <a:ext uri="{FF2B5EF4-FFF2-40B4-BE49-F238E27FC236}">
+                <a16:creationId xmlns:a16="http://schemas.microsoft.com/office/drawing/2014/main" id="{96FAEC95-CC8C-334A-B5F3-8885B868A712}"/>
+              </a:ext>
+            </a:extLst>
+          </p:cNvPr>
+          <p:cNvGraphicFramePr>
+            <a:graphicFrameLocks noGrp="1"/>
+          </p:cNvGraphicFramePr>
+          <p:nvPr>
+            <p:extLst>
+              <p:ext uri="{D42A27DB-BD31-4B8C-83A1-F6EECF244321}">
+                <p14:modId xmlns:p14="http://schemas.microsoft.com/office/powerpoint/2010/main" val="2247750098"/>
+              </p:ext>
+            </p:extLst>
+          </p:nvPr>
+        </p:nvGraphicFramePr>
+        <p:xfrm>
+          <a:off x="7377010" y="4914900"/>
+          <a:ext cx="4457870" cy="1656315"/>
+        </p:xfrm>
+        <a:graphic>
+          <a:graphicData uri="http://schemas.openxmlformats.org/drawingml/2006/table">
+            <a:tbl>
+              <a:tblPr>
+                <a:tableStyleId>{5C22544A-7EE6-4342-B048-85BDC9FD1C3A}</a:tableStyleId>
+              </a:tblPr>
+              <a:tblGrid>
+                <a:gridCol w="3074393">
+                  <a:extLst>
+                    <a:ext uri="{9D8B030D-6E8A-4147-A177-3AD203B41FA5}">
+                      <a16:colId xmlns:a16="http://schemas.microsoft.com/office/drawing/2014/main" val="3194822999"/>
+                    </a:ext>
+                  </a:extLst>
+                </a:gridCol>
+                <a:gridCol w="1383477">
+                  <a:extLst>
+                    <a:ext uri="{9D8B030D-6E8A-4147-A177-3AD203B41FA5}">
+                      <a16:colId xmlns:a16="http://schemas.microsoft.com/office/drawing/2014/main" val="3782066758"/>
+                    </a:ext>
+                  </a:extLst>
+                </a:gridCol>
+              </a:tblGrid>
+              <a:tr h="552105">
+                <a:tc>
+                  <a:txBody>
+                    <a:bodyPr/>
+                    <a:lstStyle/>
+                    <a:p>
+                      <a:pPr algn="ctr" fontAlgn="b"/>
+                      <a:r>
+                        <a:rPr lang="en-US" sz="1200" u="none" strike="noStrike" dirty="0" err="1">
+                          <a:effectLst/>
+                        </a:rPr>
+                        <a:t>ventilated_apache</a:t>
+                      </a:r>
+                      <a:r>
+                        <a:rPr lang="en-US" sz="1200" u="none" strike="noStrike" dirty="0">
+                          <a:effectLst/>
+                        </a:rPr>
+                        <a:t> Value</a:t>
+                      </a:r>
+                      <a:endParaRPr lang="en-US" sz="1200" b="0" i="0" u="none" strike="noStrike" dirty="0">
+                        <a:solidFill>
+                          <a:srgbClr val="000000"/>
+                        </a:solidFill>
+                        <a:effectLst/>
+                        <a:latin typeface="Calibri" panose="020F0502020204030204" pitchFamily="34" charset="0"/>
+                      </a:endParaRPr>
+                    </a:p>
+                  </a:txBody>
+                  <a:tcPr marL="9525" marR="9525" marT="9525" marB="0" anchor="b"/>
+                </a:tc>
+                <a:tc>
+                  <a:txBody>
+                    <a:bodyPr/>
+                    <a:lstStyle/>
+                    <a:p>
+                      <a:pPr algn="ctr" fontAlgn="b"/>
+                      <a:r>
+                        <a:rPr lang="en-US" sz="1200" u="none" strike="noStrike" dirty="0">
+                          <a:effectLst/>
+                        </a:rPr>
+                        <a:t>Death Rate</a:t>
+                      </a:r>
+                      <a:endParaRPr lang="en-US" sz="1200" b="0" i="0" u="none" strike="noStrike" dirty="0">
+                        <a:solidFill>
+                          <a:srgbClr val="000000"/>
+                        </a:solidFill>
+                        <a:effectLst/>
+                        <a:latin typeface="Calibri" panose="020F0502020204030204" pitchFamily="34" charset="0"/>
+                      </a:endParaRPr>
+                    </a:p>
+                  </a:txBody>
+                  <a:tcPr marL="9525" marR="9525" marT="9525" marB="0" anchor="b"/>
+                </a:tc>
+                <a:extLst>
+                  <a:ext uri="{0D108BD9-81ED-4DB2-BD59-A6C34878D82A}">
+                    <a16:rowId xmlns:a16="http://schemas.microsoft.com/office/drawing/2014/main" val="140434577"/>
+                  </a:ext>
+                </a:extLst>
+              </a:tr>
+              <a:tr h="552105">
+                <a:tc>
+                  <a:txBody>
+                    <a:bodyPr/>
+                    <a:lstStyle/>
+                    <a:p>
+                      <a:pPr algn="ctr" fontAlgn="b"/>
+                      <a:r>
+                        <a:rPr lang="en-US" sz="1200" u="none" strike="noStrike" dirty="0">
+                          <a:effectLst/>
+                        </a:rPr>
+                        <a:t>0</a:t>
+                      </a:r>
+                      <a:endParaRPr lang="en-US" sz="1200" b="0" i="0" u="none" strike="noStrike" dirty="0">
+                        <a:solidFill>
+                          <a:srgbClr val="000000"/>
+                        </a:solidFill>
+                        <a:effectLst/>
+                        <a:latin typeface="Calibri" panose="020F0502020204030204" pitchFamily="34" charset="0"/>
+                      </a:endParaRPr>
+                    </a:p>
+                  </a:txBody>
+                  <a:tcPr marL="9525" marR="9525" marT="9525" marB="0" anchor="b"/>
+                </a:tc>
+                <a:tc>
+                  <a:txBody>
+                    <a:bodyPr/>
+                    <a:lstStyle/>
+                    <a:p>
+                      <a:pPr algn="ctr" fontAlgn="b"/>
+                      <a:r>
+                        <a:rPr lang="en-US" sz="1200" u="none" strike="noStrike" dirty="0">
+                          <a:effectLst/>
+                        </a:rPr>
+                        <a:t>3.98%</a:t>
+                      </a:r>
+                      <a:endParaRPr lang="en-US" sz="1200" b="0" i="0" u="none" strike="noStrike" dirty="0">
+                        <a:solidFill>
+                          <a:srgbClr val="000000"/>
+                        </a:solidFill>
+                        <a:effectLst/>
+                        <a:latin typeface="Calibri" panose="020F0502020204030204" pitchFamily="34" charset="0"/>
+                      </a:endParaRPr>
+                    </a:p>
+                  </a:txBody>
+                  <a:tcPr marL="9525" marR="9525" marT="9525" marB="0" anchor="b"/>
+                </a:tc>
+                <a:extLst>
+                  <a:ext uri="{0D108BD9-81ED-4DB2-BD59-A6C34878D82A}">
+                    <a16:rowId xmlns:a16="http://schemas.microsoft.com/office/drawing/2014/main" val="2802547529"/>
+                  </a:ext>
+                </a:extLst>
+              </a:tr>
+              <a:tr h="552105">
+                <a:tc>
+                  <a:txBody>
+                    <a:bodyPr/>
+                    <a:lstStyle/>
+                    <a:p>
+                      <a:pPr algn="ctr" fontAlgn="b"/>
+                      <a:r>
+                        <a:rPr lang="en-US" sz="1200" u="none" strike="noStrike" dirty="0">
+                          <a:effectLst/>
+                        </a:rPr>
+                        <a:t>1</a:t>
+                      </a:r>
+                      <a:endParaRPr lang="en-US" sz="1200" b="0" i="0" u="none" strike="noStrike" dirty="0">
+                        <a:solidFill>
+                          <a:srgbClr val="000000"/>
+                        </a:solidFill>
+                        <a:effectLst/>
+                        <a:latin typeface="Calibri" panose="020F0502020204030204" pitchFamily="34" charset="0"/>
+                      </a:endParaRPr>
+                    </a:p>
+                  </a:txBody>
+                  <a:tcPr marL="9525" marR="9525" marT="9525" marB="0" anchor="b"/>
+                </a:tc>
+                <a:tc>
+                  <a:txBody>
+                    <a:bodyPr/>
+                    <a:lstStyle/>
+                    <a:p>
+                      <a:pPr algn="ctr" fontAlgn="b"/>
+                      <a:r>
+                        <a:rPr lang="en-US" sz="1200" u="none" strike="noStrike" dirty="0">
+                          <a:effectLst/>
+                        </a:rPr>
+                        <a:t>16.74%</a:t>
+                      </a:r>
+                      <a:endParaRPr lang="en-US" sz="1200" b="0" i="0" u="none" strike="noStrike" dirty="0">
+                        <a:solidFill>
+                          <a:srgbClr val="000000"/>
+                        </a:solidFill>
+                        <a:effectLst/>
+                        <a:latin typeface="Calibri" panose="020F0502020204030204" pitchFamily="34" charset="0"/>
+                      </a:endParaRPr>
+                    </a:p>
+                  </a:txBody>
+                  <a:tcPr marL="9525" marR="9525" marT="9525" marB="0" anchor="b"/>
+                </a:tc>
+                <a:extLst>
+                  <a:ext uri="{0D108BD9-81ED-4DB2-BD59-A6C34878D82A}">
+                    <a16:rowId xmlns:a16="http://schemas.microsoft.com/office/drawing/2014/main" val="1687231693"/>
+                  </a:ext>
+                </a:extLst>
+              </a:tr>
+            </a:tbl>
+          </a:graphicData>
+        </a:graphic>
+      </p:graphicFrame>
+    </p:spTree>
+    <p:extLst>
+      <p:ext uri="{BB962C8B-B14F-4D97-AF65-F5344CB8AC3E}">
+        <p14:creationId xmlns:p14="http://schemas.microsoft.com/office/powerpoint/2010/main" val="3115021779"/>
+      </p:ext>
+    </p:extLst>
+  </p:cSld>
+  <p:clrMapOvr>
+    <a:masterClrMapping/>
+  </p:clrMapOvr>
+</p:sld>
+</file>
+
+<file path=ppt/slides/slide12.xml><?xml version="1.0" encoding="utf-8"?>
+<p:sld xmlns:a="http://schemas.openxmlformats.org/drawingml/2006/main" xmlns:r="http://schemas.openxmlformats.org/officeDocument/2006/relationships" xmlns:p="http://schemas.openxmlformats.org/presentationml/2006/main">
+  <p:cSld>
+    <p:spTree>
+      <p:nvGrpSpPr>
+        <p:cNvPr id="1" name=""/>
+        <p:cNvGrpSpPr/>
+        <p:nvPr/>
+      </p:nvGrpSpPr>
+      <p:grpSpPr>
+        <a:xfrm>
+          <a:off x="0" y="0"/>
+          <a:ext cx="0" cy="0"/>
+          <a:chOff x="0" y="0"/>
+          <a:chExt cx="0" cy="0"/>
+        </a:xfrm>
+      </p:grpSpPr>
+      <p:sp>
+        <p:nvSpPr>
+          <p:cNvPr id="2" name="Title 1">
+            <a:extLst>
+              <a:ext uri="{FF2B5EF4-FFF2-40B4-BE49-F238E27FC236}">
                 <a16:creationId xmlns:a16="http://schemas.microsoft.com/office/drawing/2014/main" id="{E36CC913-43DA-774A-BB55-BE7772A64151}"/>
               </a:ext>
             </a:extLst>
@@ -12463,7 +12845,7 @@
 </p:sld>
 </file>
 
-<file path=ppt/slides/slide12.xml><?xml version="1.0" encoding="utf-8"?>
+<file path=ppt/slides/slide13.xml><?xml version="1.0" encoding="utf-8"?>
 <p:sld xmlns:a="http://schemas.openxmlformats.org/drawingml/2006/main" xmlns:r="http://schemas.openxmlformats.org/officeDocument/2006/relationships" xmlns:p="http://schemas.openxmlformats.org/presentationml/2006/main">
   <p:cSld>
     <p:spTree>
@@ -12721,21 +13103,10 @@
             </a:r>
             <a:r>
               <a:rPr lang="en-US" altLang="zh-CN" sz="3200" dirty="0">
+                <a:effectLst/>
                 <a:latin typeface="+mn-ea"/>
               </a:rPr>
-              <a:t>prediction</a:t>
-            </a:r>
-            <a:r>
-              <a:rPr lang="zh-CN" altLang="en-US" sz="3200" dirty="0">
-                <a:latin typeface="+mn-ea"/>
-              </a:rPr>
-              <a:t> </a:t>
-            </a:r>
-            <a:r>
-              <a:rPr lang="en-US" altLang="zh-CN" sz="3200" dirty="0">
-                <a:latin typeface="+mn-ea"/>
-              </a:rPr>
-              <a:t>methods</a:t>
+              <a:t>metrics</a:t>
             </a:r>
             <a:r>
               <a:rPr lang="zh-CN" altLang="en-US" sz="3200" dirty="0">
@@ -12798,7 +13169,7 @@
 </p:sld>
 </file>
 
-<file path=ppt/slides/slide13.xml><?xml version="1.0" encoding="utf-8"?>
+<file path=ppt/slides/slide14.xml><?xml version="1.0" encoding="utf-8"?>
 <p:sld xmlns:a="http://schemas.openxmlformats.org/drawingml/2006/main" xmlns:r="http://schemas.openxmlformats.org/officeDocument/2006/relationships" xmlns:p="http://schemas.openxmlformats.org/presentationml/2006/main">
   <p:cSld>
     <p:bg>
@@ -15398,7 +15769,7 @@
             </a:r>
             <a:r>
               <a:rPr lang="en-US" altLang="zh-CN" sz="2000" dirty="0"/>
-              <a:t>analyzing</a:t>
+              <a:t>by</a:t>
             </a:r>
             <a:r>
               <a:rPr lang="zh-CN" altLang="en-US" sz="2000" dirty="0"/>
@@ -15406,7 +15777,7 @@
             </a:r>
             <a:r>
               <a:rPr lang="en-US" altLang="zh-CN" sz="2000" dirty="0"/>
-              <a:t>result</a:t>
+              <a:t>analyzing</a:t>
             </a:r>
             <a:r>
               <a:rPr lang="zh-CN" altLang="en-US" sz="2000" dirty="0"/>
@@ -15414,7 +15785,7 @@
             </a:r>
             <a:r>
               <a:rPr lang="en-US" altLang="zh-CN" sz="2000" dirty="0"/>
-              <a:t>of</a:t>
+              <a:t>result</a:t>
             </a:r>
             <a:r>
               <a:rPr lang="zh-CN" altLang="en-US" sz="2000" dirty="0"/>
@@ -15422,7 +15793,7 @@
             </a:r>
             <a:r>
               <a:rPr lang="en-US" altLang="zh-CN" sz="2000" dirty="0"/>
-              <a:t>the</a:t>
+              <a:t>of</a:t>
             </a:r>
             <a:r>
               <a:rPr lang="zh-CN" altLang="en-US" sz="2000" dirty="0"/>
@@ -15430,7 +15801,7 @@
             </a:r>
             <a:r>
               <a:rPr lang="en-US" altLang="zh-CN" sz="2000" dirty="0"/>
-              <a:t>feature</a:t>
+              <a:t>the</a:t>
             </a:r>
             <a:r>
               <a:rPr lang="zh-CN" altLang="en-US" sz="2000" dirty="0"/>
@@ -15438,7 +15809,7 @@
             </a:r>
             <a:r>
               <a:rPr lang="en-US" altLang="zh-CN" sz="2000" dirty="0"/>
-              <a:t>importance</a:t>
+              <a:t>feature</a:t>
             </a:r>
             <a:r>
               <a:rPr lang="zh-CN" altLang="en-US" sz="2000" dirty="0"/>
@@ -15446,7 +15817,7 @@
             </a:r>
             <a:r>
               <a:rPr lang="en-US" altLang="zh-CN" sz="2000" dirty="0"/>
-              <a:t>allow</a:t>
+              <a:t>importance</a:t>
             </a:r>
             <a:r>
               <a:rPr lang="zh-CN" altLang="en-US" sz="2000" dirty="0"/>
@@ -15454,7 +15825,7 @@
             </a:r>
             <a:r>
               <a:rPr lang="en-US" altLang="zh-CN" sz="2000" dirty="0"/>
-              <a:t>clients</a:t>
+              <a:t>allow</a:t>
             </a:r>
             <a:r>
               <a:rPr lang="zh-CN" altLang="en-US" sz="2000" dirty="0"/>
@@ -15462,13 +15833,21 @@
             </a:r>
             <a:r>
               <a:rPr lang="en-US" altLang="zh-CN" sz="2000" dirty="0"/>
-              <a:t>to</a:t>
+              <a:t>clients</a:t>
             </a:r>
             <a:r>
               <a:rPr lang="zh-CN" altLang="en-US" sz="2000" dirty="0"/>
               <a:t> </a:t>
             </a:r>
             <a:r>
+              <a:rPr lang="en-US" altLang="zh-CN" sz="2000" dirty="0"/>
+              <a:t>to</a:t>
+            </a:r>
+            <a:r>
+              <a:rPr lang="zh-CN" altLang="en-US" sz="2000" dirty="0"/>
+              <a:t> </a:t>
+            </a:r>
+            <a:r>
               <a:rPr lang="en-US" sz="2000" dirty="0"/>
               <a:t>develop </a:t>
             </a:r>
@@ -15494,11 +15873,7 @@
             </a:r>
             <a:r>
               <a:rPr lang="en-US" altLang="zh-CN" sz="2000" dirty="0"/>
-              <a:t>patients</a:t>
-            </a:r>
-            <a:r>
-              <a:rPr lang="zh-CN" altLang="en-US" sz="2000" dirty="0"/>
-              <a:t> </a:t>
+              <a:t>patients.</a:t>
             </a:r>
             <a:endParaRPr lang="en-US" sz="2000" dirty="0"/>
           </a:p>
@@ -15781,7 +16156,7 @@
               <a:rPr lang="zh-CN" altLang="en-US" sz="2400" dirty="0">
                 <a:ea typeface="Times New Roman" panose="02020603050405020304" pitchFamily="18" charset="0"/>
               </a:rPr>
-              <a:t>    </a:t>
+              <a:t>  </a:t>
             </a:r>
             <a:r>
               <a:rPr lang="en-US" altLang="zh-CN" sz="2400" dirty="0">

--- a/capstone2/Presentation_Patient survival.pptx
+++ b/capstone2/Presentation_Patient survival.pptx
@@ -930,7 +930,7 @@
           <a:p>
             <a:fld id="{7CF0BCE0-945C-4FDF-95A1-2149B1FF5B83}" type="datetimeFigureOut">
               <a:rPr lang="en-US" smtClean="0"/>
-              <a:t>12/7/23</a:t>
+              <a:t>1/24/24</a:t>
             </a:fld>
             <a:endParaRPr lang="en-US"/>
           </a:p>
@@ -1657,7 +1657,7 @@
           <a:p>
             <a:fld id="{7CF0BCE0-945C-4FDF-95A1-2149B1FF5B83}" type="datetimeFigureOut">
               <a:rPr lang="en-US" smtClean="0"/>
-              <a:t>12/7/23</a:t>
+              <a:t>1/24/24</a:t>
             </a:fld>
             <a:endParaRPr lang="en-US"/>
           </a:p>
@@ -2530,7 +2530,7 @@
           <a:p>
             <a:fld id="{7CF0BCE0-945C-4FDF-95A1-2149B1FF5B83}" type="datetimeFigureOut">
               <a:rPr lang="en-US" smtClean="0"/>
-              <a:t>12/7/23</a:t>
+              <a:t>1/24/24</a:t>
             </a:fld>
             <a:endParaRPr lang="en-US"/>
           </a:p>
@@ -3234,7 +3234,7 @@
           <a:p>
             <a:fld id="{7CF0BCE0-945C-4FDF-95A1-2149B1FF5B83}" type="datetimeFigureOut">
               <a:rPr lang="en-US" smtClean="0"/>
-              <a:t>12/7/23</a:t>
+              <a:t>1/24/24</a:t>
             </a:fld>
             <a:endParaRPr lang="en-US"/>
           </a:p>
@@ -3944,7 +3944,7 @@
           <a:p>
             <a:fld id="{7CF0BCE0-945C-4FDF-95A1-2149B1FF5B83}" type="datetimeFigureOut">
               <a:rPr lang="en-US" smtClean="0"/>
-              <a:t>12/7/23</a:t>
+              <a:t>1/24/24</a:t>
             </a:fld>
             <a:endParaRPr lang="en-US" dirty="0"/>
           </a:p>
@@ -4881,7 +4881,7 @@
           <a:p>
             <a:fld id="{7CF0BCE0-945C-4FDF-95A1-2149B1FF5B83}" type="datetimeFigureOut">
               <a:rPr lang="en-US" smtClean="0"/>
-              <a:t>12/7/23</a:t>
+              <a:t>1/24/24</a:t>
             </a:fld>
             <a:endParaRPr lang="en-US"/>
           </a:p>
@@ -6101,7 +6101,7 @@
           <a:p>
             <a:fld id="{7CF0BCE0-945C-4FDF-95A1-2149B1FF5B83}" type="datetimeFigureOut">
               <a:rPr lang="en-US" smtClean="0"/>
-              <a:t>12/7/23</a:t>
+              <a:t>1/24/24</a:t>
             </a:fld>
             <a:endParaRPr lang="en-US"/>
           </a:p>
@@ -6767,7 +6767,7 @@
           <a:p>
             <a:fld id="{7CF0BCE0-945C-4FDF-95A1-2149B1FF5B83}" type="datetimeFigureOut">
               <a:rPr lang="en-US" smtClean="0"/>
-              <a:t>12/7/23</a:t>
+              <a:t>1/24/24</a:t>
             </a:fld>
             <a:endParaRPr lang="en-US"/>
           </a:p>
@@ -7536,7 +7536,7 @@
           <a:p>
             <a:fld id="{7CF0BCE0-945C-4FDF-95A1-2149B1FF5B83}" type="datetimeFigureOut">
               <a:rPr lang="en-US" smtClean="0"/>
-              <a:t>12/7/23</a:t>
+              <a:t>1/24/24</a:t>
             </a:fld>
             <a:endParaRPr lang="en-US"/>
           </a:p>
@@ -8648,7 +8648,7 @@
           <a:p>
             <a:fld id="{7CF0BCE0-945C-4FDF-95A1-2149B1FF5B83}" type="datetimeFigureOut">
               <a:rPr lang="en-US" smtClean="0"/>
-              <a:t>12/7/23</a:t>
+              <a:t>1/24/24</a:t>
             </a:fld>
             <a:endParaRPr lang="en-US"/>
           </a:p>
@@ -9456,7 +9456,7 @@
           <a:p>
             <a:fld id="{7CF0BCE0-945C-4FDF-95A1-2149B1FF5B83}" type="datetimeFigureOut">
               <a:rPr lang="en-US" smtClean="0"/>
-              <a:t>12/7/23</a:t>
+              <a:t>1/24/24</a:t>
             </a:fld>
             <a:endParaRPr lang="en-US"/>
           </a:p>
@@ -9740,7 +9740,7 @@
             <a:fld id="{7CF0BCE0-945C-4FDF-95A1-2149B1FF5B83}" type="datetimeFigureOut">
               <a:rPr lang="en-US" smtClean="0"/>
               <a:pPr algn="r"/>
-              <a:t>12/7/23</a:t>
+              <a:t>1/24/24</a:t>
             </a:fld>
             <a:endParaRPr lang="en-US" dirty="0"/>
           </a:p>
@@ -11946,8 +11946,8 @@
         </p:blipFill>
         <p:spPr bwMode="auto">
           <a:xfrm>
-            <a:off x="7377010" y="1369730"/>
-            <a:ext cx="4457870" cy="3380486"/>
+            <a:off x="7377010" y="2784143"/>
+            <a:ext cx="4457870" cy="3787071"/>
           </a:xfrm>
           <a:prstGeom prst="rect">
             <a:avLst/>
@@ -11964,221 +11964,6 @@
           </a:extLst>
         </p:spPr>
       </p:pic>
-      <p:graphicFrame>
-        <p:nvGraphicFramePr>
-          <p:cNvPr id="6" name="Table 5">
-            <a:extLst>
-              <a:ext uri="{FF2B5EF4-FFF2-40B4-BE49-F238E27FC236}">
-                <a16:creationId xmlns:a16="http://schemas.microsoft.com/office/drawing/2014/main" id="{96FAEC95-CC8C-334A-B5F3-8885B868A712}"/>
-              </a:ext>
-            </a:extLst>
-          </p:cNvPr>
-          <p:cNvGraphicFramePr>
-            <a:graphicFrameLocks noGrp="1"/>
-          </p:cNvGraphicFramePr>
-          <p:nvPr>
-            <p:extLst>
-              <p:ext uri="{D42A27DB-BD31-4B8C-83A1-F6EECF244321}">
-                <p14:modId xmlns:p14="http://schemas.microsoft.com/office/powerpoint/2010/main" val="2247750098"/>
-              </p:ext>
-            </p:extLst>
-          </p:nvPr>
-        </p:nvGraphicFramePr>
-        <p:xfrm>
-          <a:off x="7377010" y="4914900"/>
-          <a:ext cx="4457870" cy="1656315"/>
-        </p:xfrm>
-        <a:graphic>
-          <a:graphicData uri="http://schemas.openxmlformats.org/drawingml/2006/table">
-            <a:tbl>
-              <a:tblPr>
-                <a:tableStyleId>{5C22544A-7EE6-4342-B048-85BDC9FD1C3A}</a:tableStyleId>
-              </a:tblPr>
-              <a:tblGrid>
-                <a:gridCol w="3074393">
-                  <a:extLst>
-                    <a:ext uri="{9D8B030D-6E8A-4147-A177-3AD203B41FA5}">
-                      <a16:colId xmlns:a16="http://schemas.microsoft.com/office/drawing/2014/main" val="3194822999"/>
-                    </a:ext>
-                  </a:extLst>
-                </a:gridCol>
-                <a:gridCol w="1383477">
-                  <a:extLst>
-                    <a:ext uri="{9D8B030D-6E8A-4147-A177-3AD203B41FA5}">
-                      <a16:colId xmlns:a16="http://schemas.microsoft.com/office/drawing/2014/main" val="3782066758"/>
-                    </a:ext>
-                  </a:extLst>
-                </a:gridCol>
-              </a:tblGrid>
-              <a:tr h="552105">
-                <a:tc>
-                  <a:txBody>
-                    <a:bodyPr/>
-                    <a:lstStyle/>
-                    <a:p>
-                      <a:pPr algn="ctr" fontAlgn="b"/>
-                      <a:r>
-                        <a:rPr lang="en-US" sz="1200" u="none" strike="noStrike" dirty="0" err="1">
-                          <a:effectLst/>
-                        </a:rPr>
-                        <a:t>ventilated_apache</a:t>
-                      </a:r>
-                      <a:r>
-                        <a:rPr lang="en-US" sz="1200" u="none" strike="noStrike" dirty="0">
-                          <a:effectLst/>
-                        </a:rPr>
-                        <a:t> Value</a:t>
-                      </a:r>
-                      <a:endParaRPr lang="en-US" sz="1200" b="0" i="0" u="none" strike="noStrike" dirty="0">
-                        <a:solidFill>
-                          <a:srgbClr val="000000"/>
-                        </a:solidFill>
-                        <a:effectLst/>
-                        <a:latin typeface="Calibri" panose="020F0502020204030204" pitchFamily="34" charset="0"/>
-                      </a:endParaRPr>
-                    </a:p>
-                  </a:txBody>
-                  <a:tcPr marL="9525" marR="9525" marT="9525" marB="0" anchor="b"/>
-                </a:tc>
-                <a:tc>
-                  <a:txBody>
-                    <a:bodyPr/>
-                    <a:lstStyle/>
-                    <a:p>
-                      <a:pPr algn="ctr" fontAlgn="b"/>
-                      <a:r>
-                        <a:rPr lang="en-US" sz="1200" u="none" strike="noStrike" dirty="0">
-                          <a:effectLst/>
-                        </a:rPr>
-                        <a:t>Death Rate</a:t>
-                      </a:r>
-                      <a:endParaRPr lang="en-US" sz="1200" b="0" i="0" u="none" strike="noStrike" dirty="0">
-                        <a:solidFill>
-                          <a:srgbClr val="000000"/>
-                        </a:solidFill>
-                        <a:effectLst/>
-                        <a:latin typeface="Calibri" panose="020F0502020204030204" pitchFamily="34" charset="0"/>
-                      </a:endParaRPr>
-                    </a:p>
-                  </a:txBody>
-                  <a:tcPr marL="9525" marR="9525" marT="9525" marB="0" anchor="b"/>
-                </a:tc>
-                <a:extLst>
-                  <a:ext uri="{0D108BD9-81ED-4DB2-BD59-A6C34878D82A}">
-                    <a16:rowId xmlns:a16="http://schemas.microsoft.com/office/drawing/2014/main" val="140434577"/>
-                  </a:ext>
-                </a:extLst>
-              </a:tr>
-              <a:tr h="552105">
-                <a:tc>
-                  <a:txBody>
-                    <a:bodyPr/>
-                    <a:lstStyle/>
-                    <a:p>
-                      <a:pPr algn="ctr" fontAlgn="b"/>
-                      <a:r>
-                        <a:rPr lang="en-US" sz="1200" u="none" strike="noStrike" dirty="0">
-                          <a:effectLst/>
-                        </a:rPr>
-                        <a:t>0</a:t>
-                      </a:r>
-                      <a:endParaRPr lang="en-US" sz="1200" b="0" i="0" u="none" strike="noStrike" dirty="0">
-                        <a:solidFill>
-                          <a:srgbClr val="000000"/>
-                        </a:solidFill>
-                        <a:effectLst/>
-                        <a:latin typeface="Calibri" panose="020F0502020204030204" pitchFamily="34" charset="0"/>
-                      </a:endParaRPr>
-                    </a:p>
-                  </a:txBody>
-                  <a:tcPr marL="9525" marR="9525" marT="9525" marB="0" anchor="b"/>
-                </a:tc>
-                <a:tc>
-                  <a:txBody>
-                    <a:bodyPr/>
-                    <a:lstStyle/>
-                    <a:p>
-                      <a:pPr algn="ctr" fontAlgn="b"/>
-                      <a:r>
-                        <a:rPr lang="en-US" sz="1200" u="none" strike="noStrike" dirty="0">
-                          <a:effectLst/>
-                        </a:rPr>
-                        <a:t>3.98%</a:t>
-                      </a:r>
-                      <a:endParaRPr lang="en-US" sz="1200" b="0" i="0" u="none" strike="noStrike" dirty="0">
-                        <a:solidFill>
-                          <a:srgbClr val="000000"/>
-                        </a:solidFill>
-                        <a:effectLst/>
-                        <a:latin typeface="Calibri" panose="020F0502020204030204" pitchFamily="34" charset="0"/>
-                      </a:endParaRPr>
-                    </a:p>
-                  </a:txBody>
-                  <a:tcPr marL="9525" marR="9525" marT="9525" marB="0" anchor="b"/>
-                </a:tc>
-                <a:extLst>
-                  <a:ext uri="{0D108BD9-81ED-4DB2-BD59-A6C34878D82A}">
-                    <a16:rowId xmlns:a16="http://schemas.microsoft.com/office/drawing/2014/main" val="2802547529"/>
-                  </a:ext>
-                </a:extLst>
-              </a:tr>
-              <a:tr h="552105">
-                <a:tc>
-                  <a:txBody>
-                    <a:bodyPr/>
-                    <a:lstStyle/>
-                    <a:p>
-                      <a:pPr algn="ctr" fontAlgn="b"/>
-                      <a:r>
-                        <a:rPr lang="en-US" sz="1200" u="none" strike="noStrike" dirty="0">
-                          <a:effectLst/>
-                        </a:rPr>
-                        <a:t>1</a:t>
-                      </a:r>
-                      <a:endParaRPr lang="en-US" sz="1200" b="0" i="0" u="none" strike="noStrike" dirty="0">
-                        <a:solidFill>
-                          <a:srgbClr val="000000"/>
-                        </a:solidFill>
-                        <a:effectLst/>
-                        <a:latin typeface="Calibri" panose="020F0502020204030204" pitchFamily="34" charset="0"/>
-                      </a:endParaRPr>
-                    </a:p>
-                  </a:txBody>
-                  <a:tcPr marL="9525" marR="9525" marT="9525" marB="0" anchor="b"/>
-                </a:tc>
-                <a:tc>
-                  <a:txBody>
-                    <a:bodyPr/>
-                    <a:lstStyle/>
-                    <a:p>
-                      <a:pPr algn="ctr" fontAlgn="b"/>
-                      <a:r>
-                        <a:rPr lang="en-US" sz="1200" u="none" strike="noStrike" dirty="0">
-                          <a:effectLst/>
-                        </a:rPr>
-                        <a:t>16.74%</a:t>
-                      </a:r>
-                      <a:endParaRPr lang="en-US" sz="1200" b="0" i="0" u="none" strike="noStrike" dirty="0">
-                        <a:solidFill>
-                          <a:srgbClr val="000000"/>
-                        </a:solidFill>
-                        <a:effectLst/>
-                        <a:latin typeface="Calibri" panose="020F0502020204030204" pitchFamily="34" charset="0"/>
-                      </a:endParaRPr>
-                    </a:p>
-                  </a:txBody>
-                  <a:tcPr marL="9525" marR="9525" marT="9525" marB="0" anchor="b"/>
-                </a:tc>
-                <a:extLst>
-                  <a:ext uri="{0D108BD9-81ED-4DB2-BD59-A6C34878D82A}">
-                    <a16:rowId xmlns:a16="http://schemas.microsoft.com/office/drawing/2014/main" val="1687231693"/>
-                  </a:ext>
-                </a:extLst>
-              </a:tr>
-            </a:tbl>
-          </a:graphicData>
-        </a:graphic>
-      </p:graphicFrame>
     </p:spTree>
     <p:extLst>
       <p:ext uri="{BB962C8B-B14F-4D97-AF65-F5344CB8AC3E}">

--- a/capstone2/Presentation_Patient survival.pptx
+++ b/capstone2/Presentation_Patient survival.pptx
@@ -930,7 +930,7 @@
           <a:p>
             <a:fld id="{7CF0BCE0-945C-4FDF-95A1-2149B1FF5B83}" type="datetimeFigureOut">
               <a:rPr lang="en-US" smtClean="0"/>
-              <a:t>1/24/24</a:t>
+              <a:t>1/25/24</a:t>
             </a:fld>
             <a:endParaRPr lang="en-US"/>
           </a:p>
@@ -1657,7 +1657,7 @@
           <a:p>
             <a:fld id="{7CF0BCE0-945C-4FDF-95A1-2149B1FF5B83}" type="datetimeFigureOut">
               <a:rPr lang="en-US" smtClean="0"/>
-              <a:t>1/24/24</a:t>
+              <a:t>1/25/24</a:t>
             </a:fld>
             <a:endParaRPr lang="en-US"/>
           </a:p>
@@ -2530,7 +2530,7 @@
           <a:p>
             <a:fld id="{7CF0BCE0-945C-4FDF-95A1-2149B1FF5B83}" type="datetimeFigureOut">
               <a:rPr lang="en-US" smtClean="0"/>
-              <a:t>1/24/24</a:t>
+              <a:t>1/25/24</a:t>
             </a:fld>
             <a:endParaRPr lang="en-US"/>
           </a:p>
@@ -3234,7 +3234,7 @@
           <a:p>
             <a:fld id="{7CF0BCE0-945C-4FDF-95A1-2149B1FF5B83}" type="datetimeFigureOut">
               <a:rPr lang="en-US" smtClean="0"/>
-              <a:t>1/24/24</a:t>
+              <a:t>1/25/24</a:t>
             </a:fld>
             <a:endParaRPr lang="en-US"/>
           </a:p>
@@ -3944,7 +3944,7 @@
           <a:p>
             <a:fld id="{7CF0BCE0-945C-4FDF-95A1-2149B1FF5B83}" type="datetimeFigureOut">
               <a:rPr lang="en-US" smtClean="0"/>
-              <a:t>1/24/24</a:t>
+              <a:t>1/25/24</a:t>
             </a:fld>
             <a:endParaRPr lang="en-US" dirty="0"/>
           </a:p>
@@ -4881,7 +4881,7 @@
           <a:p>
             <a:fld id="{7CF0BCE0-945C-4FDF-95A1-2149B1FF5B83}" type="datetimeFigureOut">
               <a:rPr lang="en-US" smtClean="0"/>
-              <a:t>1/24/24</a:t>
+              <a:t>1/25/24</a:t>
             </a:fld>
             <a:endParaRPr lang="en-US"/>
           </a:p>
@@ -6101,7 +6101,7 @@
           <a:p>
             <a:fld id="{7CF0BCE0-945C-4FDF-95A1-2149B1FF5B83}" type="datetimeFigureOut">
               <a:rPr lang="en-US" smtClean="0"/>
-              <a:t>1/24/24</a:t>
+              <a:t>1/25/24</a:t>
             </a:fld>
             <a:endParaRPr lang="en-US"/>
           </a:p>
@@ -6767,7 +6767,7 @@
           <a:p>
             <a:fld id="{7CF0BCE0-945C-4FDF-95A1-2149B1FF5B83}" type="datetimeFigureOut">
               <a:rPr lang="en-US" smtClean="0"/>
-              <a:t>1/24/24</a:t>
+              <a:t>1/25/24</a:t>
             </a:fld>
             <a:endParaRPr lang="en-US"/>
           </a:p>
@@ -7536,7 +7536,7 @@
           <a:p>
             <a:fld id="{7CF0BCE0-945C-4FDF-95A1-2149B1FF5B83}" type="datetimeFigureOut">
               <a:rPr lang="en-US" smtClean="0"/>
-              <a:t>1/24/24</a:t>
+              <a:t>1/25/24</a:t>
             </a:fld>
             <a:endParaRPr lang="en-US"/>
           </a:p>
@@ -8648,7 +8648,7 @@
           <a:p>
             <a:fld id="{7CF0BCE0-945C-4FDF-95A1-2149B1FF5B83}" type="datetimeFigureOut">
               <a:rPr lang="en-US" smtClean="0"/>
-              <a:t>1/24/24</a:t>
+              <a:t>1/25/24</a:t>
             </a:fld>
             <a:endParaRPr lang="en-US"/>
           </a:p>
@@ -9456,7 +9456,7 @@
           <a:p>
             <a:fld id="{7CF0BCE0-945C-4FDF-95A1-2149B1FF5B83}" type="datetimeFigureOut">
               <a:rPr lang="en-US" smtClean="0"/>
-              <a:t>1/24/24</a:t>
+              <a:t>1/25/24</a:t>
             </a:fld>
             <a:endParaRPr lang="en-US"/>
           </a:p>
@@ -9740,7 +9740,7 @@
             <a:fld id="{7CF0BCE0-945C-4FDF-95A1-2149B1FF5B83}" type="datetimeFigureOut">
               <a:rPr lang="en-US" smtClean="0"/>
               <a:pPr algn="r"/>
-              <a:t>1/24/24</a:t>
+              <a:t>1/25/24</a:t>
             </a:fld>
             <a:endParaRPr lang="en-US" dirty="0"/>
           </a:p>
@@ -11281,12 +11281,68 @@
           </a:graphicData>
         </a:graphic>
       </p:graphicFrame>
+      <p:sp>
+        <p:nvSpPr>
+          <p:cNvPr id="10" name="TextBox 9">
+            <a:extLst>
+              <a:ext uri="{FF2B5EF4-FFF2-40B4-BE49-F238E27FC236}">
+                <a16:creationId xmlns:a16="http://schemas.microsoft.com/office/drawing/2014/main" id="{5C3842ED-60C4-DB45-B766-4CE03DA9177F}"/>
+              </a:ext>
+            </a:extLst>
+          </p:cNvPr>
+          <p:cNvSpPr txBox="1"/>
+          <p:nvPr/>
+        </p:nvSpPr>
+        <p:spPr>
+          <a:xfrm>
+            <a:off x="539998" y="2302472"/>
+            <a:ext cx="7096933" cy="584775"/>
+          </a:xfrm>
+          <a:prstGeom prst="rect">
+            <a:avLst/>
+          </a:prstGeom>
+          <a:noFill/>
+        </p:spPr>
+        <p:txBody>
+          <a:bodyPr wrap="square" rtlCol="0">
+            <a:spAutoFit/>
+          </a:bodyPr>
+          <a:lstStyle/>
+          <a:p>
+            <a:r>
+              <a:rPr lang="en-US" altLang="zh-CN" sz="3200" dirty="0"/>
+              <a:t>Final</a:t>
+            </a:r>
+            <a:r>
+              <a:rPr lang="zh-CN" altLang="en-US" sz="3200" dirty="0"/>
+              <a:t> </a:t>
+            </a:r>
+            <a:r>
+              <a:rPr lang="en-US" altLang="zh-CN" sz="3200" dirty="0"/>
+              <a:t>Model: Random</a:t>
+            </a:r>
+            <a:r>
+              <a:rPr lang="zh-CN" altLang="en-US" sz="3200" dirty="0"/>
+              <a:t> </a:t>
+            </a:r>
+            <a:r>
+              <a:rPr lang="en-US" altLang="zh-CN" sz="3200" dirty="0"/>
+              <a:t>Forest</a:t>
+            </a:r>
+            <a:r>
+              <a:rPr lang="zh-CN" altLang="en-US" sz="3200" dirty="0"/>
+              <a:t> </a:t>
+            </a:r>
+            <a:endParaRPr lang="en-US" sz="3200" dirty="0"/>
+          </a:p>
+        </p:txBody>
+      </p:sp>
       <p:graphicFrame>
         <p:nvGraphicFramePr>
-          <p:cNvPr id="9" name="Table 8">
+          <p:cNvPr id="3" name="Table 2">
             <a:extLst>
               <a:ext uri="{FF2B5EF4-FFF2-40B4-BE49-F238E27FC236}">
-                <a16:creationId xmlns:a16="http://schemas.microsoft.com/office/drawing/2014/main" id="{12B1FB7F-692A-D84B-8C3A-FA36810CD4ED}"/>
+                <a16:creationId xmlns:a16="http://schemas.microsoft.com/office/drawing/2014/main" id="{04BE3529-17B2-1C4B-A792-523E90120813}"/>
               </a:ext>
             </a:extLst>
           </p:cNvPr>
@@ -11296,14 +11352,14 @@
           <p:nvPr>
             <p:extLst>
               <p:ext uri="{D42A27DB-BD31-4B8C-83A1-F6EECF244321}">
-                <p14:modId xmlns:p14="http://schemas.microsoft.com/office/powerpoint/2010/main" val="2472874018"/>
+                <p14:modId xmlns:p14="http://schemas.microsoft.com/office/powerpoint/2010/main" val="1461679274"/>
               </p:ext>
             </p:extLst>
           </p:nvPr>
         </p:nvGraphicFramePr>
         <p:xfrm>
-          <a:off x="6269952" y="3214586"/>
-          <a:ext cx="5600315" cy="3257093"/>
+          <a:off x="6188408" y="3208905"/>
+          <a:ext cx="5681860" cy="3257090"/>
         </p:xfrm>
         <a:graphic>
           <a:graphicData uri="http://schemas.openxmlformats.org/drawingml/2006/table">
@@ -11312,22 +11368,22 @@
                 <a:tableStyleId>{5C22544A-7EE6-4342-B048-85BDC9FD1C3A}</a:tableStyleId>
               </a:tblPr>
               <a:tblGrid>
-                <a:gridCol w="3906886">
+                <a:gridCol w="3963774">
                   <a:extLst>
                     <a:ext uri="{9D8B030D-6E8A-4147-A177-3AD203B41FA5}">
-                      <a16:colId xmlns:a16="http://schemas.microsoft.com/office/drawing/2014/main" val="4291022114"/>
+                      <a16:colId xmlns:a16="http://schemas.microsoft.com/office/drawing/2014/main" val="2139242679"/>
                     </a:ext>
                   </a:extLst>
                 </a:gridCol>
-                <a:gridCol w="1693429">
+                <a:gridCol w="1718086">
                   <a:extLst>
                     <a:ext uri="{9D8B030D-6E8A-4147-A177-3AD203B41FA5}">
-                      <a16:colId xmlns:a16="http://schemas.microsoft.com/office/drawing/2014/main" val="3991052454"/>
+                      <a16:colId xmlns:a16="http://schemas.microsoft.com/office/drawing/2014/main" val="3242062564"/>
                     </a:ext>
                   </a:extLst>
                 </a:gridCol>
               </a:tblGrid>
-              <a:tr h="443141">
+              <a:tr h="586863">
                 <a:tc gridSpan="2">
                   <a:txBody>
                     <a:bodyPr/>
@@ -11335,12 +11391,12 @@
                     <a:p>
                       <a:pPr algn="ctr" fontAlgn="b"/>
                       <a:r>
-                        <a:rPr lang="en-US" sz="1600" u="none" strike="noStrike" dirty="0">
+                        <a:rPr lang="en-US" sz="1600" u="none" strike="noStrike">
                           <a:effectLst/>
                         </a:rPr>
                         <a:t>performance metrics</a:t>
                       </a:r>
-                      <a:endParaRPr lang="en-US" sz="1600" b="1" i="0" u="none" strike="noStrike" dirty="0">
+                      <a:endParaRPr lang="en-US" sz="1600" b="1" i="0" u="none" strike="noStrike">
                         <a:solidFill>
                           <a:srgbClr val="000000"/>
                         </a:solidFill>
@@ -11363,11 +11419,11 @@
                 </a:tc>
                 <a:extLst>
                   <a:ext uri="{0D108BD9-81ED-4DB2-BD59-A6C34878D82A}">
-                    <a16:rowId xmlns:a16="http://schemas.microsoft.com/office/drawing/2014/main" val="3511938113"/>
+                    <a16:rowId xmlns:a16="http://schemas.microsoft.com/office/drawing/2014/main" val="727263223"/>
                   </a:ext>
                 </a:extLst>
               </a:tr>
-              <a:tr h="398828">
+              <a:tr h="528177">
                 <a:tc>
                   <a:txBody>
                     <a:bodyPr/>
@@ -11398,12 +11454,18 @@
                     <a:p>
                       <a:pPr algn="l" fontAlgn="b"/>
                       <a:r>
-                        <a:rPr lang="en-US" sz="1400" u="none" strike="noStrike">
+                        <a:rPr lang="en-US" sz="1400" u="none" strike="noStrike" dirty="0">
                           <a:effectLst/>
                         </a:rPr>
-                        <a:t>0.9534</a:t>
+                        <a:t>0.9</a:t>
                       </a:r>
-                      <a:endParaRPr lang="en-US" sz="1400" b="0" i="0" u="none" strike="noStrike">
+                      <a:r>
+                        <a:rPr lang="en-US" altLang="zh-CN" sz="1400" u="none" strike="noStrike" dirty="0">
+                          <a:effectLst/>
+                        </a:rPr>
+                        <a:t>334</a:t>
+                      </a:r>
+                      <a:endParaRPr lang="en-US" sz="1400" b="0" i="0" u="none" strike="noStrike" dirty="0">
                         <a:solidFill>
                           <a:srgbClr val="000000"/>
                         </a:solidFill>
@@ -11416,34 +11478,11 @@
                 </a:tc>
                 <a:extLst>
                   <a:ext uri="{0D108BD9-81ED-4DB2-BD59-A6C34878D82A}">
-                    <a16:rowId xmlns:a16="http://schemas.microsoft.com/office/drawing/2014/main" val="512406885"/>
+                    <a16:rowId xmlns:a16="http://schemas.microsoft.com/office/drawing/2014/main" val="1323493354"/>
                   </a:ext>
                 </a:extLst>
               </a:tr>
-              <a:tr h="398828">
-                <a:tc>
-                  <a:txBody>
-                    <a:bodyPr/>
-                    <a:lstStyle/>
-                    <a:p>
-                      <a:pPr algn="l" fontAlgn="b"/>
-                      <a:r>
-                        <a:rPr lang="en-US" sz="1400" u="none" strike="noStrike" dirty="0">
-                          <a:effectLst/>
-                        </a:rPr>
-                        <a:t>Test Accuracy: </a:t>
-                      </a:r>
-                      <a:endParaRPr lang="en-US" sz="1400" b="0" i="0" u="none" strike="noStrike" dirty="0">
-                        <a:solidFill>
-                          <a:srgbClr val="000000"/>
-                        </a:solidFill>
-                        <a:effectLst/>
-                        <a:latin typeface="Arial" panose="020B0604020202020204" pitchFamily="34" charset="0"/>
-                      </a:endParaRPr>
-                    </a:p>
-                  </a:txBody>
-                  <a:tcPr marL="9525" marR="9525" marT="9525" marB="0" anchor="b"/>
-                </a:tc>
+              <a:tr h="528177">
                 <a:tc>
                   <a:txBody>
                     <a:bodyPr/>
@@ -11454,39 +11493,9 @@
                         <a:rPr lang="en-US" sz="1400" u="none" strike="noStrike">
                           <a:effectLst/>
                         </a:rPr>
-                        <a:t>0.9095</a:t>
+                        <a:t>Test Accuracy: </a:t>
                       </a:r>
                       <a:endParaRPr lang="en-US" sz="1400" b="0" i="0" u="none" strike="noStrike">
-                        <a:solidFill>
-                          <a:srgbClr val="000000"/>
-                        </a:solidFill>
-                        <a:effectLst/>
-                        <a:latin typeface="Arial" panose="020B0604020202020204" pitchFamily="34" charset="0"/>
-                      </a:endParaRPr>
-                    </a:p>
-                  </a:txBody>
-                  <a:tcPr marL="9525" marR="9525" marT="9525" marB="0" anchor="b"/>
-                </a:tc>
-                <a:extLst>
-                  <a:ext uri="{0D108BD9-81ED-4DB2-BD59-A6C34878D82A}">
-                    <a16:rowId xmlns:a16="http://schemas.microsoft.com/office/drawing/2014/main" val="1702284364"/>
-                  </a:ext>
-                </a:extLst>
-              </a:tr>
-              <a:tr h="398828">
-                <a:tc>
-                  <a:txBody>
-                    <a:bodyPr/>
-                    <a:lstStyle/>
-                    <a:p>
-                      <a:pPr algn="l" fontAlgn="b"/>
-                      <a:r>
-                        <a:rPr lang="en-US" sz="1400" u="none" strike="noStrike" dirty="0">
-                          <a:effectLst/>
-                        </a:rPr>
-                        <a:t>Train MAE: </a:t>
-                      </a:r>
-                      <a:endParaRPr lang="en-US" sz="1400" b="0" i="0" u="none" strike="noStrike" dirty="0">
                         <a:solidFill>
                           <a:srgbClr val="000000"/>
                         </a:solidFill>
@@ -11507,7 +11516,13 @@
                         <a:rPr lang="en-US" sz="1400" u="none" strike="noStrike" dirty="0">
                           <a:effectLst/>
                         </a:rPr>
-                        <a:t>0.0466</a:t>
+                        <a:t>0.90</a:t>
+                      </a:r>
+                      <a:r>
+                        <a:rPr lang="en-US" altLang="zh-CN" sz="1400" u="none" strike="noStrike" dirty="0">
+                          <a:effectLst/>
+                        </a:rPr>
+                        <a:t>21</a:t>
                       </a:r>
                       <a:endParaRPr lang="en-US" sz="1400" b="0" i="0" u="none" strike="noStrike" dirty="0">
                         <a:solidFill>
@@ -11522,64 +11537,11 @@
                 </a:tc>
                 <a:extLst>
                   <a:ext uri="{0D108BD9-81ED-4DB2-BD59-A6C34878D82A}">
-                    <a16:rowId xmlns:a16="http://schemas.microsoft.com/office/drawing/2014/main" val="770318620"/>
+                    <a16:rowId xmlns:a16="http://schemas.microsoft.com/office/drawing/2014/main" val="2834320175"/>
                   </a:ext>
                 </a:extLst>
               </a:tr>
-              <a:tr h="398828">
-                <a:tc>
-                  <a:txBody>
-                    <a:bodyPr/>
-                    <a:lstStyle/>
-                    <a:p>
-                      <a:pPr algn="l" fontAlgn="b"/>
-                      <a:r>
-                        <a:rPr lang="en-US" sz="1400" u="none" strike="noStrike" dirty="0">
-                          <a:effectLst/>
-                        </a:rPr>
-                        <a:t>Test MAE: </a:t>
-                      </a:r>
-                      <a:endParaRPr lang="en-US" sz="1400" b="0" i="0" u="none" strike="noStrike" dirty="0">
-                        <a:solidFill>
-                          <a:srgbClr val="000000"/>
-                        </a:solidFill>
-                        <a:effectLst/>
-                        <a:latin typeface="Arial" panose="020B0604020202020204" pitchFamily="34" charset="0"/>
-                      </a:endParaRPr>
-                    </a:p>
-                  </a:txBody>
-                  <a:tcPr marL="9525" marR="9525" marT="9525" marB="0" anchor="b"/>
-                </a:tc>
-                <a:tc>
-                  <a:txBody>
-                    <a:bodyPr/>
-                    <a:lstStyle/>
-                    <a:p>
-                      <a:pPr algn="l" fontAlgn="b"/>
-                      <a:r>
-                        <a:rPr lang="en-US" sz="1400" u="none" strike="noStrike">
-                          <a:effectLst/>
-                        </a:rPr>
-                        <a:t>0.0905</a:t>
-                      </a:r>
-                      <a:endParaRPr lang="en-US" sz="1400" b="0" i="0" u="none" strike="noStrike">
-                        <a:solidFill>
-                          <a:srgbClr val="000000"/>
-                        </a:solidFill>
-                        <a:effectLst/>
-                        <a:latin typeface="Arial" panose="020B0604020202020204" pitchFamily="34" charset="0"/>
-                      </a:endParaRPr>
-                    </a:p>
-                  </a:txBody>
-                  <a:tcPr marL="9525" marR="9525" marT="9525" marB="0" anchor="b"/>
-                </a:tc>
-                <a:extLst>
-                  <a:ext uri="{0D108BD9-81ED-4DB2-BD59-A6C34878D82A}">
-                    <a16:rowId xmlns:a16="http://schemas.microsoft.com/office/drawing/2014/main" val="1077176482"/>
-                  </a:ext>
-                </a:extLst>
-              </a:tr>
-              <a:tr h="398828">
+              <a:tr h="528177">
                 <a:tc>
                   <a:txBody>
                     <a:bodyPr/>
@@ -11610,12 +11572,18 @@
                     <a:p>
                       <a:pPr algn="l" fontAlgn="b"/>
                       <a:r>
-                        <a:rPr lang="en-US" sz="1400" u="none" strike="noStrike">
+                        <a:rPr lang="en-US" sz="1400" u="none" strike="noStrike" dirty="0">
                           <a:effectLst/>
                         </a:rPr>
-                        <a:t>0.4656</a:t>
+                        <a:t>0.46</a:t>
                       </a:r>
-                      <a:endParaRPr lang="en-US" sz="1400" b="0" i="0" u="none" strike="noStrike">
+                      <a:r>
+                        <a:rPr lang="en-US" altLang="zh-CN" sz="1400" u="none" strike="noStrike" dirty="0">
+                          <a:effectLst/>
+                        </a:rPr>
+                        <a:t>22</a:t>
+                      </a:r>
+                      <a:endParaRPr lang="en-US" sz="1400" b="0" i="0" u="none" strike="noStrike" dirty="0">
                         <a:solidFill>
                           <a:srgbClr val="000000"/>
                         </a:solidFill>
@@ -11628,11 +11596,11 @@
                 </a:tc>
                 <a:extLst>
                   <a:ext uri="{0D108BD9-81ED-4DB2-BD59-A6C34878D82A}">
-                    <a16:rowId xmlns:a16="http://schemas.microsoft.com/office/drawing/2014/main" val="153267935"/>
+                    <a16:rowId xmlns:a16="http://schemas.microsoft.com/office/drawing/2014/main" val="3530319911"/>
                   </a:ext>
                 </a:extLst>
               </a:tr>
-              <a:tr h="398828">
+              <a:tr h="528177">
                 <a:tc>
                   <a:txBody>
                     <a:bodyPr/>
@@ -11681,11 +11649,11 @@
                 </a:tc>
                 <a:extLst>
                   <a:ext uri="{0D108BD9-81ED-4DB2-BD59-A6C34878D82A}">
-                    <a16:rowId xmlns:a16="http://schemas.microsoft.com/office/drawing/2014/main" val="738939879"/>
+                    <a16:rowId xmlns:a16="http://schemas.microsoft.com/office/drawing/2014/main" val="446259746"/>
                   </a:ext>
                 </a:extLst>
               </a:tr>
-              <a:tr h="420984">
+              <a:tr h="557519">
                 <a:tc>
                   <a:txBody>
                     <a:bodyPr/>
@@ -11734,7 +11702,7 @@
                 </a:tc>
                 <a:extLst>
                   <a:ext uri="{0D108BD9-81ED-4DB2-BD59-A6C34878D82A}">
-                    <a16:rowId xmlns:a16="http://schemas.microsoft.com/office/drawing/2014/main" val="3639511764"/>
+                    <a16:rowId xmlns:a16="http://schemas.microsoft.com/office/drawing/2014/main" val="738823252"/>
                   </a:ext>
                 </a:extLst>
               </a:tr>
@@ -11742,62 +11710,6 @@
           </a:graphicData>
         </a:graphic>
       </p:graphicFrame>
-      <p:sp>
-        <p:nvSpPr>
-          <p:cNvPr id="10" name="TextBox 9">
-            <a:extLst>
-              <a:ext uri="{FF2B5EF4-FFF2-40B4-BE49-F238E27FC236}">
-                <a16:creationId xmlns:a16="http://schemas.microsoft.com/office/drawing/2014/main" id="{5C3842ED-60C4-DB45-B766-4CE03DA9177F}"/>
-              </a:ext>
-            </a:extLst>
-          </p:cNvPr>
-          <p:cNvSpPr txBox="1"/>
-          <p:nvPr/>
-        </p:nvSpPr>
-        <p:spPr>
-          <a:xfrm>
-            <a:off x="539998" y="2302472"/>
-            <a:ext cx="7096933" cy="584775"/>
-          </a:xfrm>
-          <a:prstGeom prst="rect">
-            <a:avLst/>
-          </a:prstGeom>
-          <a:noFill/>
-        </p:spPr>
-        <p:txBody>
-          <a:bodyPr wrap="square" rtlCol="0">
-            <a:spAutoFit/>
-          </a:bodyPr>
-          <a:lstStyle/>
-          <a:p>
-            <a:r>
-              <a:rPr lang="en-US" altLang="zh-CN" sz="3200" dirty="0"/>
-              <a:t>Final</a:t>
-            </a:r>
-            <a:r>
-              <a:rPr lang="zh-CN" altLang="en-US" sz="3200" dirty="0"/>
-              <a:t> </a:t>
-            </a:r>
-            <a:r>
-              <a:rPr lang="en-US" altLang="zh-CN" sz="3200" dirty="0"/>
-              <a:t>Model: Random</a:t>
-            </a:r>
-            <a:r>
-              <a:rPr lang="zh-CN" altLang="en-US" sz="3200" dirty="0"/>
-              <a:t> </a:t>
-            </a:r>
-            <a:r>
-              <a:rPr lang="en-US" altLang="zh-CN" sz="3200" dirty="0"/>
-              <a:t>Forest</a:t>
-            </a:r>
-            <a:r>
-              <a:rPr lang="zh-CN" altLang="en-US" sz="3200" dirty="0"/>
-              <a:t> </a:t>
-            </a:r>
-            <a:endParaRPr lang="en-US" sz="3200" dirty="0"/>
-          </a:p>
-        </p:txBody>
-      </p:sp>
     </p:spTree>
     <p:extLst>
       <p:ext uri="{BB962C8B-B14F-4D97-AF65-F5344CB8AC3E}">
